--- a/제출용/Algo_부울경_2반_1조.pptx
+++ b/제출용/Algo_부울경_2반_1조.pptx
@@ -3595,10 +3595,10 @@
         </p:nvGrpSpPr>
         <p:grpSpPr>
           <a:xfrm>
-            <a:off x="1703633" y="1919497"/>
-            <a:ext cx="3694348" cy="4925863"/>
-            <a:chOff x="1703633" y="1919497"/>
-            <a:chExt cx="3694348" cy="4925863"/>
+            <a:off x="938229" y="1775970"/>
+            <a:ext cx="5225156" cy="6966968"/>
+            <a:chOff x="938229" y="1775970"/>
+            <a:chExt cx="5225156" cy="6966968"/>
           </a:xfrm>
         </p:grpSpPr>
         <p:pic>
@@ -3617,8 +3617,8 @@
           </p:blipFill>
           <p:spPr>
             <a:xfrm>
-              <a:off x="1703633" y="1919497"/>
-              <a:ext cx="3694348" cy="4925863"/>
+              <a:off x="938229" y="1775970"/>
+              <a:ext cx="5225156" cy="6966968"/>
             </a:xfrm>
             <a:prstGeom prst="rect">
               <a:avLst/>
@@ -3636,30 +3636,6 @@
         </p:nvPicPr>
         <p:blipFill>
           <a:blip r:embed="rId16" cstate="print"/>
-          <a:stretch>
-            <a:fillRect/>
-          </a:stretch>
-        </p:blipFill>
-        <p:spPr>
-          <a:xfrm>
-            <a:off x="1539487" y="7435372"/>
-            <a:ext cx="3143635" cy="442406"/>
-          </a:xfrm>
-          <a:prstGeom prst="rect">
-            <a:avLst/>
-          </a:prstGeom>
-        </p:spPr>
-      </p:pic>
-      <p:pic>
-        <p:nvPicPr>
-          <p:cNvPr id="29" name="Object 28"/>
-          <p:cNvPicPr>
-            <a:picLocks noChangeAspect="1"/>
-          </p:cNvPicPr>
-          <p:nvPr/>
-        </p:nvPicPr>
-        <p:blipFill>
-          <a:blip r:embed="rId17" cstate="print"/>
           <a:stretch>
             <a:fillRect/>
           </a:stretch>
@@ -5243,6 +5219,30 @@
           </p:spPr>
         </p:pic>
       </p:grpSp>
+      <p:pic>
+        <p:nvPicPr>
+          <p:cNvPr id="44" name="Object 43"/>
+          <p:cNvPicPr>
+            <a:picLocks noChangeAspect="1"/>
+          </p:cNvPicPr>
+          <p:nvPr/>
+        </p:nvPicPr>
+        <p:blipFill>
+          <a:blip r:embed="rId22" cstate="print"/>
+          <a:stretch>
+            <a:fillRect/>
+          </a:stretch>
+        </p:blipFill>
+        <p:spPr>
+          <a:xfrm>
+            <a:off x="1668354" y="1485126"/>
+            <a:ext cx="2654001" cy="1055925"/>
+          </a:xfrm>
+          <a:prstGeom prst="rect">
+            <a:avLst/>
+          </a:prstGeom>
+        </p:spPr>
+      </p:pic>
     </p:spTree>
   </p:cSld>
   <p:clrMapOvr>
@@ -5607,7 +5607,7 @@
         </p:blipFill>
         <p:spPr>
           <a:xfrm>
-            <a:off x="6460477" y="6441324"/>
+            <a:off x="6308096" y="6441324"/>
             <a:ext cx="2609502" cy="968397"/>
           </a:xfrm>
           <a:prstGeom prst="rect">
@@ -5655,8 +5655,8 @@
         </p:blipFill>
         <p:spPr>
           <a:xfrm>
-            <a:off x="13024636" y="6441324"/>
-            <a:ext cx="2918654" cy="671712"/>
+            <a:off x="13053239" y="6441324"/>
+            <a:ext cx="2639321" cy="671702"/>
           </a:xfrm>
           <a:prstGeom prst="rect">
             <a:avLst/>

--- a/제출용/Algo_부울경_2반_1조.pptx
+++ b/제출용/Algo_부울경_2반_1조.pptx
@@ -3723,8 +3723,8 @@
         </p:blipFill>
         <p:spPr>
           <a:xfrm>
-            <a:off x="1724841" y="2993894"/>
-            <a:ext cx="7255570" cy="3613227"/>
+            <a:off x="1724841" y="2993898"/>
+            <a:ext cx="7100122" cy="5040037"/>
           </a:xfrm>
           <a:prstGeom prst="rect">
             <a:avLst/>
@@ -3739,10 +3739,10 @@
         </p:nvGrpSpPr>
         <p:grpSpPr>
           <a:xfrm>
-            <a:off x="9417409" y="2397469"/>
-            <a:ext cx="7792846" cy="6874939"/>
-            <a:chOff x="9417409" y="2397469"/>
-            <a:chExt cx="7792846" cy="6874939"/>
+            <a:off x="9941259" y="1894860"/>
+            <a:ext cx="7330550" cy="6495995"/>
+            <a:chOff x="9941259" y="1894860"/>
+            <a:chExt cx="7330550" cy="6495995"/>
           </a:xfrm>
         </p:grpSpPr>
         <p:pic>
@@ -3761,8 +3761,8 @@
           </p:blipFill>
           <p:spPr>
             <a:xfrm>
-              <a:off x="9417409" y="2397469"/>
-              <a:ext cx="7792846" cy="6874939"/>
+              <a:off x="9941259" y="1894860"/>
+              <a:ext cx="7330550" cy="6495995"/>
             </a:xfrm>
             <a:prstGeom prst="rect">
               <a:avLst/>
@@ -4764,8 +4764,8 @@
         </p:blipFill>
         <p:spPr>
           <a:xfrm>
-            <a:off x="6314266" y="6764019"/>
-            <a:ext cx="2159012" cy="483659"/>
+            <a:off x="6088057" y="6764019"/>
+            <a:ext cx="2466040" cy="483659"/>
           </a:xfrm>
           <a:prstGeom prst="rect">
             <a:avLst/>
